--- a/4/進捗報告.pptx
+++ b/4/進捗報告.pptx
@@ -128,17 +128,77 @@
 </p:presentation>
 </file>
 
-<file path=ppt/revisionInfo.xml><?xml version="1.0" encoding="utf-8"?>
-<p1510:revInfo xmlns:a="http://schemas.openxmlformats.org/drawingml/2006/main" xmlns:r="http://schemas.openxmlformats.org/officeDocument/2006/relationships" xmlns:p1510="http://schemas.microsoft.com/office/powerpoint/2015/10/main">
-  <p1510:revLst>
-    <p1510:client id="{DBF9508C-FC40-4F46-81CB-963EA72AD876}" v="631" dt="2024-06-28T06:41:47.518"/>
-    <p1510:client id="{F9A772BE-C658-B5FF-94EC-11CDEA3C614F}" v="12" dt="2024-06-28T02:25:03.027"/>
-  </p1510:revLst>
-</p1510:revInfo>
-</file>
-
 <file path=ppt/changesInfos/changesInfo1.xml><?xml version="1.0" encoding="utf-8"?>
 <pc:chgInfo xmlns:a="http://schemas.openxmlformats.org/drawingml/2006/main" xmlns:r="http://schemas.openxmlformats.org/officeDocument/2006/relationships" xmlns:ac="http://schemas.microsoft.com/office/drawing/2013/main/command" xmlns:pc="http://schemas.microsoft.com/office/powerpoint/2013/main/command">
+  <pc:docChgLst>
+    <pc:chgData name="g2121057" userId="S::g2121057@tcu.ac.jp::037dc83c-fac4-4eea-acb3-34d3beafcde8" providerId="AD" clId="Web-{F9A772BE-C658-B5FF-94EC-11CDEA3C614F}"/>
+    <pc:docChg chg="addSld modSld">
+      <pc:chgData name="g2121057" userId="S::g2121057@tcu.ac.jp::037dc83c-fac4-4eea-acb3-34d3beafcde8" providerId="AD" clId="Web-{F9A772BE-C658-B5FF-94EC-11CDEA3C614F}" dt="2024-06-28T02:25:03.027" v="11" actId="20577"/>
+      <pc:docMkLst>
+        <pc:docMk/>
+      </pc:docMkLst>
+      <pc:sldChg chg="modSp new">
+        <pc:chgData name="g2121057" userId="S::g2121057@tcu.ac.jp::037dc83c-fac4-4eea-acb3-34d3beafcde8" providerId="AD" clId="Web-{F9A772BE-C658-B5FF-94EC-11CDEA3C614F}" dt="2024-06-28T02:15:34.783" v="2" actId="20577"/>
+        <pc:sldMkLst>
+          <pc:docMk/>
+          <pc:sldMk cId="3878825859" sldId="267"/>
+        </pc:sldMkLst>
+        <pc:spChg chg="mod">
+          <ac:chgData name="g2121057" userId="S::g2121057@tcu.ac.jp::037dc83c-fac4-4eea-acb3-34d3beafcde8" providerId="AD" clId="Web-{F9A772BE-C658-B5FF-94EC-11CDEA3C614F}" dt="2024-06-28T02:15:34.783" v="2" actId="20577"/>
+          <ac:spMkLst>
+            <pc:docMk/>
+            <pc:sldMk cId="3878825859" sldId="267"/>
+            <ac:spMk id="2" creationId="{B29B4475-62B6-7780-5F17-D1C159875F26}"/>
+          </ac:spMkLst>
+        </pc:spChg>
+      </pc:sldChg>
+      <pc:sldChg chg="modSp new">
+        <pc:chgData name="g2121057" userId="S::g2121057@tcu.ac.jp::037dc83c-fac4-4eea-acb3-34d3beafcde8" providerId="AD" clId="Web-{F9A772BE-C658-B5FF-94EC-11CDEA3C614F}" dt="2024-06-28T02:15:58.222" v="5" actId="20577"/>
+        <pc:sldMkLst>
+          <pc:docMk/>
+          <pc:sldMk cId="4145884105" sldId="268"/>
+        </pc:sldMkLst>
+        <pc:spChg chg="mod">
+          <ac:chgData name="g2121057" userId="S::g2121057@tcu.ac.jp::037dc83c-fac4-4eea-acb3-34d3beafcde8" providerId="AD" clId="Web-{F9A772BE-C658-B5FF-94EC-11CDEA3C614F}" dt="2024-06-28T02:15:58.222" v="5" actId="20577"/>
+          <ac:spMkLst>
+            <pc:docMk/>
+            <pc:sldMk cId="4145884105" sldId="268"/>
+            <ac:spMk id="2" creationId="{BD953CDE-0633-BD45-806C-B761CAE535B3}"/>
+          </ac:spMkLst>
+        </pc:spChg>
+      </pc:sldChg>
+      <pc:sldChg chg="modSp new">
+        <pc:chgData name="g2121057" userId="S::g2121057@tcu.ac.jp::037dc83c-fac4-4eea-acb3-34d3beafcde8" providerId="AD" clId="Web-{F9A772BE-C658-B5FF-94EC-11CDEA3C614F}" dt="2024-06-28T02:16:30.303" v="8" actId="20577"/>
+        <pc:sldMkLst>
+          <pc:docMk/>
+          <pc:sldMk cId="1461110" sldId="269"/>
+        </pc:sldMkLst>
+        <pc:spChg chg="mod">
+          <ac:chgData name="g2121057" userId="S::g2121057@tcu.ac.jp::037dc83c-fac4-4eea-acb3-34d3beafcde8" providerId="AD" clId="Web-{F9A772BE-C658-B5FF-94EC-11CDEA3C614F}" dt="2024-06-28T02:16:30.303" v="8" actId="20577"/>
+          <ac:spMkLst>
+            <pc:docMk/>
+            <pc:sldMk cId="1461110" sldId="269"/>
+            <ac:spMk id="2" creationId="{C0EF4855-7015-E555-0724-77796A749F41}"/>
+          </ac:spMkLst>
+        </pc:spChg>
+      </pc:sldChg>
+      <pc:sldChg chg="modSp new">
+        <pc:chgData name="g2121057" userId="S::g2121057@tcu.ac.jp::037dc83c-fac4-4eea-acb3-34d3beafcde8" providerId="AD" clId="Web-{F9A772BE-C658-B5FF-94EC-11CDEA3C614F}" dt="2024-06-28T02:25:03.027" v="11" actId="20577"/>
+        <pc:sldMkLst>
+          <pc:docMk/>
+          <pc:sldMk cId="385489279" sldId="270"/>
+        </pc:sldMkLst>
+        <pc:spChg chg="mod">
+          <ac:chgData name="g2121057" userId="S::g2121057@tcu.ac.jp::037dc83c-fac4-4eea-acb3-34d3beafcde8" providerId="AD" clId="Web-{F9A772BE-C658-B5FF-94EC-11CDEA3C614F}" dt="2024-06-28T02:25:03.027" v="11" actId="20577"/>
+          <ac:spMkLst>
+            <pc:docMk/>
+            <pc:sldMk cId="385489279" sldId="270"/>
+            <ac:spMk id="2" creationId="{C2F52389-3D8F-9B97-8E48-41D62CCA74F8}"/>
+          </ac:spMkLst>
+        </pc:spChg>
+      </pc:sldChg>
+    </pc:docChg>
+  </pc:docChgLst>
   <pc:docChgLst>
     <pc:chgData name="g2121057" userId="037dc83c-fac4-4eea-acb3-34d3beafcde8" providerId="ADAL" clId="{DBF9508C-FC40-4F46-81CB-963EA72AD876}"/>
     <pc:docChg chg="undo custSel addSld delSld modSld sldOrd">
@@ -974,75 +1034,6 @@
       </pc:sldChg>
     </pc:docChg>
   </pc:docChgLst>
-  <pc:docChgLst>
-    <pc:chgData name="g2121057" userId="S::g2121057@tcu.ac.jp::037dc83c-fac4-4eea-acb3-34d3beafcde8" providerId="AD" clId="Web-{F9A772BE-C658-B5FF-94EC-11CDEA3C614F}"/>
-    <pc:docChg chg="addSld modSld">
-      <pc:chgData name="g2121057" userId="S::g2121057@tcu.ac.jp::037dc83c-fac4-4eea-acb3-34d3beafcde8" providerId="AD" clId="Web-{F9A772BE-C658-B5FF-94EC-11CDEA3C614F}" dt="2024-06-28T02:25:03.027" v="11" actId="20577"/>
-      <pc:docMkLst>
-        <pc:docMk/>
-      </pc:docMkLst>
-      <pc:sldChg chg="modSp new">
-        <pc:chgData name="g2121057" userId="S::g2121057@tcu.ac.jp::037dc83c-fac4-4eea-acb3-34d3beafcde8" providerId="AD" clId="Web-{F9A772BE-C658-B5FF-94EC-11CDEA3C614F}" dt="2024-06-28T02:15:34.783" v="2" actId="20577"/>
-        <pc:sldMkLst>
-          <pc:docMk/>
-          <pc:sldMk cId="3878825859" sldId="267"/>
-        </pc:sldMkLst>
-        <pc:spChg chg="mod">
-          <ac:chgData name="g2121057" userId="S::g2121057@tcu.ac.jp::037dc83c-fac4-4eea-acb3-34d3beafcde8" providerId="AD" clId="Web-{F9A772BE-C658-B5FF-94EC-11CDEA3C614F}" dt="2024-06-28T02:15:34.783" v="2" actId="20577"/>
-          <ac:spMkLst>
-            <pc:docMk/>
-            <pc:sldMk cId="3878825859" sldId="267"/>
-            <ac:spMk id="2" creationId="{B29B4475-62B6-7780-5F17-D1C159875F26}"/>
-          </ac:spMkLst>
-        </pc:spChg>
-      </pc:sldChg>
-      <pc:sldChg chg="modSp new">
-        <pc:chgData name="g2121057" userId="S::g2121057@tcu.ac.jp::037dc83c-fac4-4eea-acb3-34d3beafcde8" providerId="AD" clId="Web-{F9A772BE-C658-B5FF-94EC-11CDEA3C614F}" dt="2024-06-28T02:15:58.222" v="5" actId="20577"/>
-        <pc:sldMkLst>
-          <pc:docMk/>
-          <pc:sldMk cId="4145884105" sldId="268"/>
-        </pc:sldMkLst>
-        <pc:spChg chg="mod">
-          <ac:chgData name="g2121057" userId="S::g2121057@tcu.ac.jp::037dc83c-fac4-4eea-acb3-34d3beafcde8" providerId="AD" clId="Web-{F9A772BE-C658-B5FF-94EC-11CDEA3C614F}" dt="2024-06-28T02:15:58.222" v="5" actId="20577"/>
-          <ac:spMkLst>
-            <pc:docMk/>
-            <pc:sldMk cId="4145884105" sldId="268"/>
-            <ac:spMk id="2" creationId="{BD953CDE-0633-BD45-806C-B761CAE535B3}"/>
-          </ac:spMkLst>
-        </pc:spChg>
-      </pc:sldChg>
-      <pc:sldChg chg="modSp new">
-        <pc:chgData name="g2121057" userId="S::g2121057@tcu.ac.jp::037dc83c-fac4-4eea-acb3-34d3beafcde8" providerId="AD" clId="Web-{F9A772BE-C658-B5FF-94EC-11CDEA3C614F}" dt="2024-06-28T02:16:30.303" v="8" actId="20577"/>
-        <pc:sldMkLst>
-          <pc:docMk/>
-          <pc:sldMk cId="1461110" sldId="269"/>
-        </pc:sldMkLst>
-        <pc:spChg chg="mod">
-          <ac:chgData name="g2121057" userId="S::g2121057@tcu.ac.jp::037dc83c-fac4-4eea-acb3-34d3beafcde8" providerId="AD" clId="Web-{F9A772BE-C658-B5FF-94EC-11CDEA3C614F}" dt="2024-06-28T02:16:30.303" v="8" actId="20577"/>
-          <ac:spMkLst>
-            <pc:docMk/>
-            <pc:sldMk cId="1461110" sldId="269"/>
-            <ac:spMk id="2" creationId="{C0EF4855-7015-E555-0724-77796A749F41}"/>
-          </ac:spMkLst>
-        </pc:spChg>
-      </pc:sldChg>
-      <pc:sldChg chg="modSp new">
-        <pc:chgData name="g2121057" userId="S::g2121057@tcu.ac.jp::037dc83c-fac4-4eea-acb3-34d3beafcde8" providerId="AD" clId="Web-{F9A772BE-C658-B5FF-94EC-11CDEA3C614F}" dt="2024-06-28T02:25:03.027" v="11" actId="20577"/>
-        <pc:sldMkLst>
-          <pc:docMk/>
-          <pc:sldMk cId="385489279" sldId="270"/>
-        </pc:sldMkLst>
-        <pc:spChg chg="mod">
-          <ac:chgData name="g2121057" userId="S::g2121057@tcu.ac.jp::037dc83c-fac4-4eea-acb3-34d3beafcde8" providerId="AD" clId="Web-{F9A772BE-C658-B5FF-94EC-11CDEA3C614F}" dt="2024-06-28T02:25:03.027" v="11" actId="20577"/>
-          <ac:spMkLst>
-            <pc:docMk/>
-            <pc:sldMk cId="385489279" sldId="270"/>
-            <ac:spMk id="2" creationId="{C2F52389-3D8F-9B97-8E48-41D62CCA74F8}"/>
-          </ac:spMkLst>
-        </pc:spChg>
-      </pc:sldChg>
-    </pc:docChg>
-  </pc:docChgLst>
 </pc:chgInfo>
 </file>
 
@@ -1193,7 +1184,7 @@
           <a:p>
             <a:fld id="{3ED3D662-DB33-4D00-B708-59A1CE0A54AF}" type="datetimeFigureOut">
               <a:rPr kumimoji="1" lang="ja-JP" altLang="en-US" smtClean="0"/>
-              <a:t>2024/6/28</a:t>
+              <a:t>2024/7/8</a:t>
             </a:fld>
             <a:endParaRPr kumimoji="1" lang="ja-JP" altLang="en-US"/>
           </a:p>
@@ -1423,7 +1414,7 @@
           <a:p>
             <a:fld id="{3ED3D662-DB33-4D00-B708-59A1CE0A54AF}" type="datetimeFigureOut">
               <a:rPr kumimoji="1" lang="ja-JP" altLang="en-US" smtClean="0"/>
-              <a:t>2024/6/28</a:t>
+              <a:t>2024/7/8</a:t>
             </a:fld>
             <a:endParaRPr kumimoji="1" lang="ja-JP" altLang="en-US"/>
           </a:p>
@@ -1663,7 +1654,7 @@
           <a:p>
             <a:fld id="{3ED3D662-DB33-4D00-B708-59A1CE0A54AF}" type="datetimeFigureOut">
               <a:rPr kumimoji="1" lang="ja-JP" altLang="en-US" smtClean="0"/>
-              <a:t>2024/6/28</a:t>
+              <a:t>2024/7/8</a:t>
             </a:fld>
             <a:endParaRPr kumimoji="1" lang="ja-JP" altLang="en-US"/>
           </a:p>
@@ -1893,7 +1884,7 @@
           <a:p>
             <a:fld id="{3ED3D662-DB33-4D00-B708-59A1CE0A54AF}" type="datetimeFigureOut">
               <a:rPr kumimoji="1" lang="ja-JP" altLang="en-US" smtClean="0"/>
-              <a:t>2024/6/28</a:t>
+              <a:t>2024/7/8</a:t>
             </a:fld>
             <a:endParaRPr kumimoji="1" lang="ja-JP" altLang="en-US"/>
           </a:p>
@@ -2168,7 +2159,7 @@
           <a:p>
             <a:fld id="{3ED3D662-DB33-4D00-B708-59A1CE0A54AF}" type="datetimeFigureOut">
               <a:rPr kumimoji="1" lang="ja-JP" altLang="en-US" smtClean="0"/>
-              <a:t>2024/6/28</a:t>
+              <a:t>2024/7/8</a:t>
             </a:fld>
             <a:endParaRPr kumimoji="1" lang="ja-JP" altLang="en-US"/>
           </a:p>
@@ -2497,7 +2488,7 @@
           <a:p>
             <a:fld id="{3ED3D662-DB33-4D00-B708-59A1CE0A54AF}" type="datetimeFigureOut">
               <a:rPr kumimoji="1" lang="ja-JP" altLang="en-US" smtClean="0"/>
-              <a:t>2024/6/28</a:t>
+              <a:t>2024/7/8</a:t>
             </a:fld>
             <a:endParaRPr kumimoji="1" lang="ja-JP" altLang="en-US"/>
           </a:p>
@@ -2973,7 +2964,7 @@
           <a:p>
             <a:fld id="{3ED3D662-DB33-4D00-B708-59A1CE0A54AF}" type="datetimeFigureOut">
               <a:rPr kumimoji="1" lang="ja-JP" altLang="en-US" smtClean="0"/>
-              <a:t>2024/6/28</a:t>
+              <a:t>2024/7/8</a:t>
             </a:fld>
             <a:endParaRPr kumimoji="1" lang="ja-JP" altLang="en-US"/>
           </a:p>
@@ -3114,7 +3105,7 @@
           <a:p>
             <a:fld id="{3ED3D662-DB33-4D00-B708-59A1CE0A54AF}" type="datetimeFigureOut">
               <a:rPr kumimoji="1" lang="ja-JP" altLang="en-US" smtClean="0"/>
-              <a:t>2024/6/28</a:t>
+              <a:t>2024/7/8</a:t>
             </a:fld>
             <a:endParaRPr kumimoji="1" lang="ja-JP" altLang="en-US"/>
           </a:p>
@@ -3227,7 +3218,7 @@
           <a:p>
             <a:fld id="{3ED3D662-DB33-4D00-B708-59A1CE0A54AF}" type="datetimeFigureOut">
               <a:rPr kumimoji="1" lang="ja-JP" altLang="en-US" smtClean="0"/>
-              <a:t>2024/6/28</a:t>
+              <a:t>2024/7/8</a:t>
             </a:fld>
             <a:endParaRPr kumimoji="1" lang="ja-JP" altLang="en-US"/>
           </a:p>
@@ -3570,7 +3561,7 @@
           <a:p>
             <a:fld id="{3ED3D662-DB33-4D00-B708-59A1CE0A54AF}" type="datetimeFigureOut">
               <a:rPr kumimoji="1" lang="ja-JP" altLang="en-US" smtClean="0"/>
-              <a:t>2024/6/28</a:t>
+              <a:t>2024/7/8</a:t>
             </a:fld>
             <a:endParaRPr kumimoji="1" lang="ja-JP" altLang="en-US"/>
           </a:p>
@@ -3858,7 +3849,7 @@
           <a:p>
             <a:fld id="{3ED3D662-DB33-4D00-B708-59A1CE0A54AF}" type="datetimeFigureOut">
               <a:rPr kumimoji="1" lang="ja-JP" altLang="en-US" smtClean="0"/>
-              <a:t>2024/6/28</a:t>
+              <a:t>2024/7/8</a:t>
             </a:fld>
             <a:endParaRPr kumimoji="1" lang="ja-JP" altLang="en-US"/>
           </a:p>
@@ -4131,7 +4122,7 @@
           <a:p>
             <a:fld id="{3ED3D662-DB33-4D00-B708-59A1CE0A54AF}" type="datetimeFigureOut">
               <a:rPr kumimoji="1" lang="ja-JP" altLang="en-US" smtClean="0"/>
-              <a:t>2024/6/28</a:t>
+              <a:t>2024/7/8</a:t>
             </a:fld>
             <a:endParaRPr kumimoji="1" lang="ja-JP" altLang="en-US"/>
           </a:p>
@@ -9928,8 +9919,8 @@
           </a:fontRef>
         </p:style>
       </p:cxnSp>
-      <mc:AlternateContent xmlns:mc="http://schemas.openxmlformats.org/markup-compatibility/2006">
-        <mc:Choice xmlns:a14="http://schemas.microsoft.com/office/drawing/2010/main" Requires="a14">
+      <mc:AlternateContent xmlns:mc="http://schemas.openxmlformats.org/markup-compatibility/2006" xmlns:a14="http://schemas.microsoft.com/office/drawing/2010/main">
+        <mc:Choice Requires="a14">
           <p:sp>
             <p:nvSpPr>
               <p:cNvPr id="26" name="テキスト ボックス 25">
@@ -10453,7 +10444,7 @@
             </p:txBody>
           </p:sp>
         </mc:Choice>
-        <mc:Fallback>
+        <mc:Fallback xmlns="">
           <p:sp>
             <p:nvSpPr>
               <p:cNvPr id="26" name="テキスト ボックス 25">
